--- a/2020/_Projects/캐릭터 시스템 기획.pptx
+++ b/2020/_Projects/캐릭터 시스템 기획.pptx
@@ -21,6 +21,7 @@
     <p:sldId id="384" r:id="rId15"/>
     <p:sldId id="347" r:id="rId16"/>
     <p:sldId id="386" r:id="rId17"/>
+    <p:sldId id="388" r:id="rId18"/>
   </p:sldIdLst>
   <p:sldSz cx="12192000" cy="6858000"/>
   <p:notesSz cx="6858000" cy="9144000"/>
@@ -274,7 +275,7 @@
           <a:p>
             <a:fld id="{DA27504E-B695-483E-8899-DB8130962F72}" type="datetimeFigureOut">
               <a:rPr lang="ko-KR" altLang="en-US" smtClean="0"/>
-              <a:t>2020-01-16</a:t>
+              <a:t>2020-01-17</a:t>
             </a:fld>
             <a:endParaRPr lang="ko-KR" altLang="en-US"/>
           </a:p>
@@ -472,7 +473,7 @@
           <a:p>
             <a:fld id="{DA27504E-B695-483E-8899-DB8130962F72}" type="datetimeFigureOut">
               <a:rPr lang="ko-KR" altLang="en-US" smtClean="0"/>
-              <a:t>2020-01-16</a:t>
+              <a:t>2020-01-17</a:t>
             </a:fld>
             <a:endParaRPr lang="ko-KR" altLang="en-US"/>
           </a:p>
@@ -680,7 +681,7 @@
           <a:p>
             <a:fld id="{DA27504E-B695-483E-8899-DB8130962F72}" type="datetimeFigureOut">
               <a:rPr lang="ko-KR" altLang="en-US" smtClean="0"/>
-              <a:t>2020-01-16</a:t>
+              <a:t>2020-01-17</a:t>
             </a:fld>
             <a:endParaRPr lang="ko-KR" altLang="en-US"/>
           </a:p>
@@ -894,7 +895,7 @@
           <a:p>
             <a:fld id="{DA27504E-B695-483E-8899-DB8130962F72}" type="datetimeFigureOut">
               <a:rPr lang="ko-KR" altLang="en-US" smtClean="0"/>
-              <a:t>2020-01-16</a:t>
+              <a:t>2020-01-17</a:t>
             </a:fld>
             <a:endParaRPr lang="ko-KR" altLang="en-US"/>
           </a:p>
@@ -1169,7 +1170,7 @@
           <a:p>
             <a:fld id="{DA27504E-B695-483E-8899-DB8130962F72}" type="datetimeFigureOut">
               <a:rPr lang="ko-KR" altLang="en-US" smtClean="0"/>
-              <a:t>2020-01-16</a:t>
+              <a:t>2020-01-17</a:t>
             </a:fld>
             <a:endParaRPr lang="ko-KR" altLang="en-US"/>
           </a:p>
@@ -1434,7 +1435,7 @@
           <a:p>
             <a:fld id="{DA27504E-B695-483E-8899-DB8130962F72}" type="datetimeFigureOut">
               <a:rPr lang="ko-KR" altLang="en-US" smtClean="0"/>
-              <a:t>2020-01-16</a:t>
+              <a:t>2020-01-17</a:t>
             </a:fld>
             <a:endParaRPr lang="ko-KR" altLang="en-US"/>
           </a:p>
@@ -1846,7 +1847,7 @@
           <a:p>
             <a:fld id="{DA27504E-B695-483E-8899-DB8130962F72}" type="datetimeFigureOut">
               <a:rPr lang="ko-KR" altLang="en-US" smtClean="0"/>
-              <a:t>2020-01-16</a:t>
+              <a:t>2020-01-17</a:t>
             </a:fld>
             <a:endParaRPr lang="ko-KR" altLang="en-US"/>
           </a:p>
@@ -1987,7 +1988,7 @@
           <a:p>
             <a:fld id="{DA27504E-B695-483E-8899-DB8130962F72}" type="datetimeFigureOut">
               <a:rPr lang="ko-KR" altLang="en-US" smtClean="0"/>
-              <a:t>2020-01-16</a:t>
+              <a:t>2020-01-17</a:t>
             </a:fld>
             <a:endParaRPr lang="ko-KR" altLang="en-US"/>
           </a:p>
@@ -2100,7 +2101,7 @@
           <a:p>
             <a:fld id="{DA27504E-B695-483E-8899-DB8130962F72}" type="datetimeFigureOut">
               <a:rPr lang="ko-KR" altLang="en-US" smtClean="0"/>
-              <a:t>2020-01-16</a:t>
+              <a:t>2020-01-17</a:t>
             </a:fld>
             <a:endParaRPr lang="ko-KR" altLang="en-US"/>
           </a:p>
@@ -2411,7 +2412,7 @@
           <a:p>
             <a:fld id="{DA27504E-B695-483E-8899-DB8130962F72}" type="datetimeFigureOut">
               <a:rPr lang="ko-KR" altLang="en-US" smtClean="0"/>
-              <a:t>2020-01-16</a:t>
+              <a:t>2020-01-17</a:t>
             </a:fld>
             <a:endParaRPr lang="ko-KR" altLang="en-US"/>
           </a:p>
@@ -2699,7 +2700,7 @@
           <a:p>
             <a:fld id="{DA27504E-B695-483E-8899-DB8130962F72}" type="datetimeFigureOut">
               <a:rPr lang="ko-KR" altLang="en-US" smtClean="0"/>
-              <a:t>2020-01-16</a:t>
+              <a:t>2020-01-17</a:t>
             </a:fld>
             <a:endParaRPr lang="ko-KR" altLang="en-US"/>
           </a:p>
@@ -2940,7 +2941,7 @@
           <a:p>
             <a:fld id="{DA27504E-B695-483E-8899-DB8130962F72}" type="datetimeFigureOut">
               <a:rPr lang="ko-KR" altLang="en-US" smtClean="0"/>
-              <a:t>2020-01-16</a:t>
+              <a:t>2020-01-17</a:t>
             </a:fld>
             <a:endParaRPr lang="ko-KR" altLang="en-US"/>
           </a:p>
@@ -4805,7 +4806,7 @@
             </a:r>
             <a:r>
               <a:rPr lang="en-US" altLang="ko-KR" sz="1800" dirty="0" err="1"/>
-              <a:t>AttackConnectedInterval</a:t>
+              <a:t>AttackComboInterval</a:t>
             </a:r>
             <a:r>
               <a:rPr lang="en-US" altLang="ko-KR" sz="1800" dirty="0"/>
@@ -5240,7 +5241,7 @@
             </a:r>
             <a:r>
               <a:rPr lang="en-US" altLang="ko-KR" sz="2000" dirty="0" err="1"/>
-              <a:t>AttackConnectedInterval</a:t>
+              <a:t>AttackComboInterval</a:t>
             </a:r>
             <a:r>
               <a:rPr lang="en-US" altLang="ko-KR" sz="2000" dirty="0"/>
@@ -5272,7 +5273,7 @@
           <a:p>
             <a:r>
               <a:rPr lang="en-US" altLang="ko-KR" sz="2000" dirty="0" err="1"/>
-              <a:t>AttackConnectedInterval</a:t>
+              <a:t>AttackComboInterval</a:t>
             </a:r>
             <a:r>
               <a:rPr lang="en-US" altLang="ko-KR" sz="2000" dirty="0"/>
@@ -6529,7 +6530,7 @@
             </a:r>
             <a:r>
               <a:rPr lang="en-US" altLang="ko-KR" sz="1800" dirty="0" err="1"/>
-              <a:t>AttackConnectedInterval</a:t>
+              <a:t>AttackComboInterval</a:t>
             </a:r>
             <a:r>
               <a:rPr lang="en-US" altLang="ko-KR" sz="1800" dirty="0"/>
@@ -8650,7 +8651,7 @@
           <a:graphicData uri="http://schemas.openxmlformats.org/presentationml/2006/ole">
             <mc:AlternateContent xmlns:mc="http://schemas.openxmlformats.org/markup-compatibility/2006">
               <mc:Choice xmlns:v="urn:schemas-microsoft-com:vml" Requires="v">
-                <p:oleObj spid="_x0000_s1049" name="Worksheet" r:id="rId3" imgW="8778240" imgH="4648232" progId="Excel.Sheet.12">
+                <p:oleObj spid="_x0000_s1056" name="Worksheet" r:id="rId3" imgW="8778240" imgH="4648232" progId="Excel.Sheet.12">
                   <p:embed/>
                 </p:oleObj>
               </mc:Choice>
@@ -15187,6 +15188,36 @@
 </p:sld>
 </file>
 
+<file path=ppt/slides/slide17.xml><?xml version="1.0" encoding="utf-8"?>
+<p:sld xmlns:a="http://schemas.openxmlformats.org/drawingml/2006/main" xmlns:r="http://schemas.openxmlformats.org/officeDocument/2006/relationships" xmlns:p="http://schemas.openxmlformats.org/presentationml/2006/main">
+  <p:cSld>
+    <p:spTree>
+      <p:nvGrpSpPr>
+        <p:cNvPr id="1" name=""/>
+        <p:cNvGrpSpPr/>
+        <p:nvPr/>
+      </p:nvGrpSpPr>
+      <p:grpSpPr>
+        <a:xfrm>
+          <a:off x="0" y="0"/>
+          <a:ext cx="0" cy="0"/>
+          <a:chOff x="0" y="0"/>
+          <a:chExt cx="0" cy="0"/>
+        </a:xfrm>
+      </p:grpSpPr>
+    </p:spTree>
+    <p:extLst>
+      <p:ext uri="{BB962C8B-B14F-4D97-AF65-F5344CB8AC3E}">
+        <p14:creationId xmlns:p14="http://schemas.microsoft.com/office/powerpoint/2010/main" val="1177293498"/>
+      </p:ext>
+    </p:extLst>
+  </p:cSld>
+  <p:clrMapOvr>
+    <a:masterClrMapping/>
+  </p:clrMapOvr>
+</p:sld>
+</file>
+
 <file path=ppt/slides/slide2.xml><?xml version="1.0" encoding="utf-8"?>
 <p:sld xmlns:a="http://schemas.openxmlformats.org/drawingml/2006/main" xmlns:r="http://schemas.openxmlformats.org/officeDocument/2006/relationships" xmlns:p="http://schemas.openxmlformats.org/presentationml/2006/main">
   <p:cSld>
@@ -15435,241 +15466,6 @@
             <a:r>
               <a:rPr lang="ko-KR" altLang="en-US" sz="2000" dirty="0"/>
               <a:t>정의</a:t>
-            </a:r>
-          </a:p>
-        </p:txBody>
-      </p:sp>
-      <p:sp>
-        <p:nvSpPr>
-          <p:cNvPr id="55" name="내용 개체 틀 2">
-            <a:extLst>
-              <a:ext uri="{FF2B5EF4-FFF2-40B4-BE49-F238E27FC236}">
-                <a16:creationId xmlns:a16="http://schemas.microsoft.com/office/drawing/2014/main" id="{29CA5B7C-AAF9-4C2F-8686-320D0EF0F4B2}"/>
-              </a:ext>
-            </a:extLst>
-          </p:cNvPr>
-          <p:cNvSpPr txBox="1">
-            <a:spLocks/>
-          </p:cNvSpPr>
-          <p:nvPr/>
-        </p:nvSpPr>
-        <p:spPr>
-          <a:xfrm>
-            <a:off x="1723500" y="3086705"/>
-            <a:ext cx="6858543" cy="828347"/>
-          </a:xfrm>
-          <a:prstGeom prst="rect">
-            <a:avLst/>
-          </a:prstGeom>
-        </p:spPr>
-        <p:txBody>
-          <a:bodyPr vert="horz" lIns="91440" tIns="45720" rIns="91440" bIns="45720" rtlCol="0">
-            <a:normAutofit fontScale="70000" lnSpcReduction="20000"/>
-          </a:bodyPr>
-          <a:lstStyle>
-            <a:lvl1pPr marL="228600" indent="-228600" algn="l" defTabSz="914400" rtl="0" eaLnBrk="1" latinLnBrk="1" hangingPunct="1">
-              <a:lnSpc>
-                <a:spcPct val="90000"/>
-              </a:lnSpc>
-              <a:spcBef>
-                <a:spcPts val="1000"/>
-              </a:spcBef>
-              <a:buFont typeface="Arial" panose="020B0604020202020204" pitchFamily="34" charset="0"/>
-              <a:buChar char="•"/>
-              <a:defRPr sz="2800" kern="1200">
-                <a:solidFill>
-                  <a:schemeClr val="tx1"/>
-                </a:solidFill>
-                <a:latin typeface="+mn-lt"/>
-                <a:ea typeface="+mn-ea"/>
-                <a:cs typeface="+mn-cs"/>
-              </a:defRPr>
-            </a:lvl1pPr>
-            <a:lvl2pPr marL="685800" indent="-228600" algn="l" defTabSz="914400" rtl="0" eaLnBrk="1" latinLnBrk="1" hangingPunct="1">
-              <a:lnSpc>
-                <a:spcPct val="90000"/>
-              </a:lnSpc>
-              <a:spcBef>
-                <a:spcPts val="500"/>
-              </a:spcBef>
-              <a:buFont typeface="Arial" panose="020B0604020202020204" pitchFamily="34" charset="0"/>
-              <a:buChar char="•"/>
-              <a:defRPr sz="2400" kern="1200">
-                <a:solidFill>
-                  <a:schemeClr val="tx1"/>
-                </a:solidFill>
-                <a:latin typeface="+mn-lt"/>
-                <a:ea typeface="+mn-ea"/>
-                <a:cs typeface="+mn-cs"/>
-              </a:defRPr>
-            </a:lvl2pPr>
-            <a:lvl3pPr marL="1143000" indent="-228600" algn="l" defTabSz="914400" rtl="0" eaLnBrk="1" latinLnBrk="1" hangingPunct="1">
-              <a:lnSpc>
-                <a:spcPct val="90000"/>
-              </a:lnSpc>
-              <a:spcBef>
-                <a:spcPts val="500"/>
-              </a:spcBef>
-              <a:buFont typeface="Arial" panose="020B0604020202020204" pitchFamily="34" charset="0"/>
-              <a:buChar char="•"/>
-              <a:defRPr sz="2000" kern="1200">
-                <a:solidFill>
-                  <a:schemeClr val="tx1"/>
-                </a:solidFill>
-                <a:latin typeface="+mn-lt"/>
-                <a:ea typeface="+mn-ea"/>
-                <a:cs typeface="+mn-cs"/>
-              </a:defRPr>
-            </a:lvl3pPr>
-            <a:lvl4pPr marL="1600200" indent="-228600" algn="l" defTabSz="914400" rtl="0" eaLnBrk="1" latinLnBrk="1" hangingPunct="1">
-              <a:lnSpc>
-                <a:spcPct val="90000"/>
-              </a:lnSpc>
-              <a:spcBef>
-                <a:spcPts val="500"/>
-              </a:spcBef>
-              <a:buFont typeface="Arial" panose="020B0604020202020204" pitchFamily="34" charset="0"/>
-              <a:buChar char="•"/>
-              <a:defRPr sz="1800" kern="1200">
-                <a:solidFill>
-                  <a:schemeClr val="tx1"/>
-                </a:solidFill>
-                <a:latin typeface="+mn-lt"/>
-                <a:ea typeface="+mn-ea"/>
-                <a:cs typeface="+mn-cs"/>
-              </a:defRPr>
-            </a:lvl4pPr>
-            <a:lvl5pPr marL="2057400" indent="-228600" algn="l" defTabSz="914400" rtl="0" eaLnBrk="1" latinLnBrk="1" hangingPunct="1">
-              <a:lnSpc>
-                <a:spcPct val="90000"/>
-              </a:lnSpc>
-              <a:spcBef>
-                <a:spcPts val="500"/>
-              </a:spcBef>
-              <a:buFont typeface="Arial" panose="020B0604020202020204" pitchFamily="34" charset="0"/>
-              <a:buChar char="•"/>
-              <a:defRPr sz="1800" kern="1200">
-                <a:solidFill>
-                  <a:schemeClr val="tx1"/>
-                </a:solidFill>
-                <a:latin typeface="+mn-lt"/>
-                <a:ea typeface="+mn-ea"/>
-                <a:cs typeface="+mn-cs"/>
-              </a:defRPr>
-            </a:lvl5pPr>
-            <a:lvl6pPr marL="2514600" indent="-228600" algn="l" defTabSz="914400" rtl="0" eaLnBrk="1" latinLnBrk="1" hangingPunct="1">
-              <a:lnSpc>
-                <a:spcPct val="90000"/>
-              </a:lnSpc>
-              <a:spcBef>
-                <a:spcPts val="500"/>
-              </a:spcBef>
-              <a:buFont typeface="Arial" panose="020B0604020202020204" pitchFamily="34" charset="0"/>
-              <a:buChar char="•"/>
-              <a:defRPr sz="1800" kern="1200">
-                <a:solidFill>
-                  <a:schemeClr val="tx1"/>
-                </a:solidFill>
-                <a:latin typeface="+mn-lt"/>
-                <a:ea typeface="+mn-ea"/>
-                <a:cs typeface="+mn-cs"/>
-              </a:defRPr>
-            </a:lvl6pPr>
-            <a:lvl7pPr marL="2971800" indent="-228600" algn="l" defTabSz="914400" rtl="0" eaLnBrk="1" latinLnBrk="1" hangingPunct="1">
-              <a:lnSpc>
-                <a:spcPct val="90000"/>
-              </a:lnSpc>
-              <a:spcBef>
-                <a:spcPts val="500"/>
-              </a:spcBef>
-              <a:buFont typeface="Arial" panose="020B0604020202020204" pitchFamily="34" charset="0"/>
-              <a:buChar char="•"/>
-              <a:defRPr sz="1800" kern="1200">
-                <a:solidFill>
-                  <a:schemeClr val="tx1"/>
-                </a:solidFill>
-                <a:latin typeface="+mn-lt"/>
-                <a:ea typeface="+mn-ea"/>
-                <a:cs typeface="+mn-cs"/>
-              </a:defRPr>
-            </a:lvl7pPr>
-            <a:lvl8pPr marL="3429000" indent="-228600" algn="l" defTabSz="914400" rtl="0" eaLnBrk="1" latinLnBrk="1" hangingPunct="1">
-              <a:lnSpc>
-                <a:spcPct val="90000"/>
-              </a:lnSpc>
-              <a:spcBef>
-                <a:spcPts val="500"/>
-              </a:spcBef>
-              <a:buFont typeface="Arial" panose="020B0604020202020204" pitchFamily="34" charset="0"/>
-              <a:buChar char="•"/>
-              <a:defRPr sz="1800" kern="1200">
-                <a:solidFill>
-                  <a:schemeClr val="tx1"/>
-                </a:solidFill>
-                <a:latin typeface="+mn-lt"/>
-                <a:ea typeface="+mn-ea"/>
-                <a:cs typeface="+mn-cs"/>
-              </a:defRPr>
-            </a:lvl8pPr>
-            <a:lvl9pPr marL="3886200" indent="-228600" algn="l" defTabSz="914400" rtl="0" eaLnBrk="1" latinLnBrk="1" hangingPunct="1">
-              <a:lnSpc>
-                <a:spcPct val="90000"/>
-              </a:lnSpc>
-              <a:spcBef>
-                <a:spcPts val="500"/>
-              </a:spcBef>
-              <a:buFont typeface="Arial" panose="020B0604020202020204" pitchFamily="34" charset="0"/>
-              <a:buChar char="•"/>
-              <a:defRPr sz="1800" kern="1200">
-                <a:solidFill>
-                  <a:schemeClr val="tx1"/>
-                </a:solidFill>
-                <a:latin typeface="+mn-lt"/>
-                <a:ea typeface="+mn-ea"/>
-                <a:cs typeface="+mn-cs"/>
-              </a:defRPr>
-            </a:lvl9pPr>
-          </a:lstStyle>
-          <a:p>
-            <a:r>
-              <a:rPr lang="ko-KR" altLang="en-US" sz="2000" dirty="0"/>
-              <a:t>캐릭터의 충돌 범위를 지정합니다</a:t>
-            </a:r>
-            <a:r>
-              <a:rPr lang="en-US" altLang="ko-KR" sz="2000" dirty="0"/>
-              <a:t>.</a:t>
-            </a:r>
-          </a:p>
-          <a:p>
-            <a:r>
-              <a:rPr lang="ko-KR" altLang="en-US" sz="2000" dirty="0"/>
-              <a:t>지형 접촉상태 </a:t>
-            </a:r>
-            <a:r>
-              <a:rPr lang="en-US" altLang="ko-KR" sz="2000" dirty="0"/>
-              <a:t>, </a:t>
-            </a:r>
-            <a:r>
-              <a:rPr lang="ko-KR" altLang="en-US" sz="2000" dirty="0"/>
-              <a:t>피격</a:t>
-            </a:r>
-            <a:r>
-              <a:rPr lang="en-US" altLang="ko-KR" sz="2000" dirty="0"/>
-              <a:t>, </a:t>
-            </a:r>
-            <a:r>
-              <a:rPr lang="ko-KR" altLang="en-US" sz="2000" dirty="0"/>
-              <a:t>상호작용 조건을 판단하는데 사용됩니다</a:t>
-            </a:r>
-            <a:r>
-              <a:rPr lang="en-US" altLang="ko-KR" sz="2000" dirty="0"/>
-              <a:t>.</a:t>
-            </a:r>
-          </a:p>
-          <a:p>
-            <a:r>
-              <a:rPr lang="en-US" altLang="ko-KR" sz="2000" dirty="0"/>
-              <a:t>@@</a:t>
             </a:r>
           </a:p>
         </p:txBody>
@@ -16056,6 +15852,241 @@
                 </a:schemeClr>
               </a:solidFill>
             </a:endParaRPr>
+          </a:p>
+        </p:txBody>
+      </p:sp>
+      <p:sp>
+        <p:nvSpPr>
+          <p:cNvPr id="55" name="내용 개체 틀 2">
+            <a:extLst>
+              <a:ext uri="{FF2B5EF4-FFF2-40B4-BE49-F238E27FC236}">
+                <a16:creationId xmlns:a16="http://schemas.microsoft.com/office/drawing/2014/main" id="{29CA5B7C-AAF9-4C2F-8686-320D0EF0F4B2}"/>
+              </a:ext>
+            </a:extLst>
+          </p:cNvPr>
+          <p:cNvSpPr txBox="1">
+            <a:spLocks/>
+          </p:cNvSpPr>
+          <p:nvPr/>
+        </p:nvSpPr>
+        <p:spPr>
+          <a:xfrm>
+            <a:off x="1580887" y="3170595"/>
+            <a:ext cx="6858543" cy="828347"/>
+          </a:xfrm>
+          <a:prstGeom prst="rect">
+            <a:avLst/>
+          </a:prstGeom>
+        </p:spPr>
+        <p:txBody>
+          <a:bodyPr vert="horz" lIns="91440" tIns="45720" rIns="91440" bIns="45720" rtlCol="0">
+            <a:normAutofit fontScale="92500" lnSpcReduction="20000"/>
+          </a:bodyPr>
+          <a:lstStyle>
+            <a:lvl1pPr marL="228600" indent="-228600" algn="l" defTabSz="914400" rtl="0" eaLnBrk="1" latinLnBrk="1" hangingPunct="1">
+              <a:lnSpc>
+                <a:spcPct val="90000"/>
+              </a:lnSpc>
+              <a:spcBef>
+                <a:spcPts val="1000"/>
+              </a:spcBef>
+              <a:buFont typeface="Arial" panose="020B0604020202020204" pitchFamily="34" charset="0"/>
+              <a:buChar char="•"/>
+              <a:defRPr sz="2800" kern="1200">
+                <a:solidFill>
+                  <a:schemeClr val="tx1"/>
+                </a:solidFill>
+                <a:latin typeface="+mn-lt"/>
+                <a:ea typeface="+mn-ea"/>
+                <a:cs typeface="+mn-cs"/>
+              </a:defRPr>
+            </a:lvl1pPr>
+            <a:lvl2pPr marL="685800" indent="-228600" algn="l" defTabSz="914400" rtl="0" eaLnBrk="1" latinLnBrk="1" hangingPunct="1">
+              <a:lnSpc>
+                <a:spcPct val="90000"/>
+              </a:lnSpc>
+              <a:spcBef>
+                <a:spcPts val="500"/>
+              </a:spcBef>
+              <a:buFont typeface="Arial" panose="020B0604020202020204" pitchFamily="34" charset="0"/>
+              <a:buChar char="•"/>
+              <a:defRPr sz="2400" kern="1200">
+                <a:solidFill>
+                  <a:schemeClr val="tx1"/>
+                </a:solidFill>
+                <a:latin typeface="+mn-lt"/>
+                <a:ea typeface="+mn-ea"/>
+                <a:cs typeface="+mn-cs"/>
+              </a:defRPr>
+            </a:lvl2pPr>
+            <a:lvl3pPr marL="1143000" indent="-228600" algn="l" defTabSz="914400" rtl="0" eaLnBrk="1" latinLnBrk="1" hangingPunct="1">
+              <a:lnSpc>
+                <a:spcPct val="90000"/>
+              </a:lnSpc>
+              <a:spcBef>
+                <a:spcPts val="500"/>
+              </a:spcBef>
+              <a:buFont typeface="Arial" panose="020B0604020202020204" pitchFamily="34" charset="0"/>
+              <a:buChar char="•"/>
+              <a:defRPr sz="2000" kern="1200">
+                <a:solidFill>
+                  <a:schemeClr val="tx1"/>
+                </a:solidFill>
+                <a:latin typeface="+mn-lt"/>
+                <a:ea typeface="+mn-ea"/>
+                <a:cs typeface="+mn-cs"/>
+              </a:defRPr>
+            </a:lvl3pPr>
+            <a:lvl4pPr marL="1600200" indent="-228600" algn="l" defTabSz="914400" rtl="0" eaLnBrk="1" latinLnBrk="1" hangingPunct="1">
+              <a:lnSpc>
+                <a:spcPct val="90000"/>
+              </a:lnSpc>
+              <a:spcBef>
+                <a:spcPts val="500"/>
+              </a:spcBef>
+              <a:buFont typeface="Arial" panose="020B0604020202020204" pitchFamily="34" charset="0"/>
+              <a:buChar char="•"/>
+              <a:defRPr sz="1800" kern="1200">
+                <a:solidFill>
+                  <a:schemeClr val="tx1"/>
+                </a:solidFill>
+                <a:latin typeface="+mn-lt"/>
+                <a:ea typeface="+mn-ea"/>
+                <a:cs typeface="+mn-cs"/>
+              </a:defRPr>
+            </a:lvl4pPr>
+            <a:lvl5pPr marL="2057400" indent="-228600" algn="l" defTabSz="914400" rtl="0" eaLnBrk="1" latinLnBrk="1" hangingPunct="1">
+              <a:lnSpc>
+                <a:spcPct val="90000"/>
+              </a:lnSpc>
+              <a:spcBef>
+                <a:spcPts val="500"/>
+              </a:spcBef>
+              <a:buFont typeface="Arial" panose="020B0604020202020204" pitchFamily="34" charset="0"/>
+              <a:buChar char="•"/>
+              <a:defRPr sz="1800" kern="1200">
+                <a:solidFill>
+                  <a:schemeClr val="tx1"/>
+                </a:solidFill>
+                <a:latin typeface="+mn-lt"/>
+                <a:ea typeface="+mn-ea"/>
+                <a:cs typeface="+mn-cs"/>
+              </a:defRPr>
+            </a:lvl5pPr>
+            <a:lvl6pPr marL="2514600" indent="-228600" algn="l" defTabSz="914400" rtl="0" eaLnBrk="1" latinLnBrk="1" hangingPunct="1">
+              <a:lnSpc>
+                <a:spcPct val="90000"/>
+              </a:lnSpc>
+              <a:spcBef>
+                <a:spcPts val="500"/>
+              </a:spcBef>
+              <a:buFont typeface="Arial" panose="020B0604020202020204" pitchFamily="34" charset="0"/>
+              <a:buChar char="•"/>
+              <a:defRPr sz="1800" kern="1200">
+                <a:solidFill>
+                  <a:schemeClr val="tx1"/>
+                </a:solidFill>
+                <a:latin typeface="+mn-lt"/>
+                <a:ea typeface="+mn-ea"/>
+                <a:cs typeface="+mn-cs"/>
+              </a:defRPr>
+            </a:lvl6pPr>
+            <a:lvl7pPr marL="2971800" indent="-228600" algn="l" defTabSz="914400" rtl="0" eaLnBrk="1" latinLnBrk="1" hangingPunct="1">
+              <a:lnSpc>
+                <a:spcPct val="90000"/>
+              </a:lnSpc>
+              <a:spcBef>
+                <a:spcPts val="500"/>
+              </a:spcBef>
+              <a:buFont typeface="Arial" panose="020B0604020202020204" pitchFamily="34" charset="0"/>
+              <a:buChar char="•"/>
+              <a:defRPr sz="1800" kern="1200">
+                <a:solidFill>
+                  <a:schemeClr val="tx1"/>
+                </a:solidFill>
+                <a:latin typeface="+mn-lt"/>
+                <a:ea typeface="+mn-ea"/>
+                <a:cs typeface="+mn-cs"/>
+              </a:defRPr>
+            </a:lvl7pPr>
+            <a:lvl8pPr marL="3429000" indent="-228600" algn="l" defTabSz="914400" rtl="0" eaLnBrk="1" latinLnBrk="1" hangingPunct="1">
+              <a:lnSpc>
+                <a:spcPct val="90000"/>
+              </a:lnSpc>
+              <a:spcBef>
+                <a:spcPts val="500"/>
+              </a:spcBef>
+              <a:buFont typeface="Arial" panose="020B0604020202020204" pitchFamily="34" charset="0"/>
+              <a:buChar char="•"/>
+              <a:defRPr sz="1800" kern="1200">
+                <a:solidFill>
+                  <a:schemeClr val="tx1"/>
+                </a:solidFill>
+                <a:latin typeface="+mn-lt"/>
+                <a:ea typeface="+mn-ea"/>
+                <a:cs typeface="+mn-cs"/>
+              </a:defRPr>
+            </a:lvl8pPr>
+            <a:lvl9pPr marL="3886200" indent="-228600" algn="l" defTabSz="914400" rtl="0" eaLnBrk="1" latinLnBrk="1" hangingPunct="1">
+              <a:lnSpc>
+                <a:spcPct val="90000"/>
+              </a:lnSpc>
+              <a:spcBef>
+                <a:spcPts val="500"/>
+              </a:spcBef>
+              <a:buFont typeface="Arial" panose="020B0604020202020204" pitchFamily="34" charset="0"/>
+              <a:buChar char="•"/>
+              <a:defRPr sz="1800" kern="1200">
+                <a:solidFill>
+                  <a:schemeClr val="tx1"/>
+                </a:solidFill>
+                <a:latin typeface="+mn-lt"/>
+                <a:ea typeface="+mn-ea"/>
+                <a:cs typeface="+mn-cs"/>
+              </a:defRPr>
+            </a:lvl9pPr>
+          </a:lstStyle>
+          <a:p>
+            <a:r>
+              <a:rPr lang="ko-KR" altLang="en-US" sz="2000" dirty="0"/>
+              <a:t>캐릭터의 충돌 범위를 지정합니다</a:t>
+            </a:r>
+            <a:r>
+              <a:rPr lang="en-US" altLang="ko-KR" sz="2000" dirty="0"/>
+              <a:t>.</a:t>
+            </a:r>
+          </a:p>
+          <a:p>
+            <a:r>
+              <a:rPr lang="ko-KR" altLang="en-US" sz="2000" dirty="0"/>
+              <a:t>지형 접촉상태 </a:t>
+            </a:r>
+            <a:r>
+              <a:rPr lang="en-US" altLang="ko-KR" sz="2000" dirty="0"/>
+              <a:t>, </a:t>
+            </a:r>
+            <a:r>
+              <a:rPr lang="ko-KR" altLang="en-US" sz="2000" dirty="0"/>
+              <a:t>피격</a:t>
+            </a:r>
+            <a:r>
+              <a:rPr lang="en-US" altLang="ko-KR" sz="2000" dirty="0"/>
+              <a:t>, </a:t>
+            </a:r>
+            <a:r>
+              <a:rPr lang="ko-KR" altLang="en-US" sz="2000" dirty="0"/>
+              <a:t>상호작용 조건을 판단하는데 사용됩니다</a:t>
+            </a:r>
+            <a:r>
+              <a:rPr lang="en-US" altLang="ko-KR" sz="2000" dirty="0"/>
+              <a:t>.</a:t>
+            </a:r>
+          </a:p>
+          <a:p>
+            <a:pPr marL="0" indent="0">
+              <a:buNone/>
+            </a:pPr>
+            <a:endParaRPr lang="en-US" altLang="ko-KR" sz="2000" dirty="0"/>
           </a:p>
         </p:txBody>
       </p:sp>
